--- a/Introduction to Kafka.pptx
+++ b/Introduction to Kafka.pptx
@@ -11,18 +11,26 @@
     <p:sldId id="256" r:id="rId3"/>
     <p:sldId id="257" r:id="rId5"/>
     <p:sldId id="258" r:id="rId6"/>
-    <p:sldId id="259" r:id="rId7"/>
-    <p:sldId id="260" r:id="rId8"/>
+    <p:sldId id="261" r:id="rId7"/>
+    <p:sldId id="262" r:id="rId8"/>
+    <p:sldId id="263" r:id="rId9"/>
+    <p:sldId id="264" r:id="rId10"/>
+    <p:sldId id="265" r:id="rId11"/>
+    <p:sldId id="266" r:id="rId12"/>
+    <p:sldId id="267" r:id="rId13"/>
+    <p:sldId id="268" r:id="rId14"/>
+    <p:sldId id="259" r:id="rId15"/>
+    <p:sldId id="260" r:id="rId16"/>
   </p:sldIdLst>
   <p:sldSz cx="9144000" cy="5143500"/>
   <p:notesSz cx="6858000" cy="9144000"/>
   <p:embeddedFontLst>
     <p:embeddedFont>
       <p:font typeface="Roboto" charset="0"/>
-      <p:regular r:id="rId12"/>
-      <p:bold r:id="rId13"/>
-      <p:italic r:id="rId14"/>
-      <p:boldItalic r:id="rId15"/>
+      <p:regular r:id="rId20"/>
+      <p:bold r:id="rId21"/>
+      <p:italic r:id="rId22"/>
+      <p:boldItalic r:id="rId23"/>
     </p:embeddedFont>
   </p:embeddedFontLst>
   <p:defaultTextStyle>
@@ -19383,12 +19391,20 @@
               <a:buNone/>
             </a:pPr>
             <a:r>
+              <a:rPr lang="en-US" altLang="en-US" sz="2400">
+                <a:solidFill>
+                  <a:srgbClr val="999999"/>
+                </a:solidFill>
+              </a:rPr>
+              <a:t>Kafka - </a:t>
+            </a:r>
+            <a:r>
               <a:rPr lang="" altLang="en-US" sz="2400">
                 <a:solidFill>
                   <a:srgbClr val="999999"/>
                 </a:solidFill>
               </a:rPr>
-              <a:t>Kafka - Introduction</a:t>
+              <a:t>Reliable Data Delivary</a:t>
             </a:r>
             <a:br>
               <a:rPr lang="en-GB" sz="3600" b="1" i="0" u="none" strike="noStrike" cap="none">
@@ -19532,6 +19548,758 @@
           <a:xfrm>
             <a:off x="0" y="4536504"/>
             <a:ext cx="9143999" cy="627534"/>
+          </a:xfrm>
+          <a:prstGeom prst="rect">
+            <a:avLst/>
+          </a:prstGeom>
+          <a:noFill/>
+          <a:ln>
+            <a:noFill/>
+          </a:ln>
+        </p:spPr>
+      </p:pic>
+    </p:spTree>
+  </p:cSld>
+  <p:clrMapOvr>
+    <a:masterClrMapping/>
+  </p:clrMapOvr>
+</p:sld>
+</file>
+
+<file path=ppt/slides/slide10.xml><?xml version="1.0" encoding="utf-8"?>
+<p:sld xmlns:a="http://schemas.openxmlformats.org/drawingml/2006/main" xmlns:r="http://schemas.openxmlformats.org/officeDocument/2006/relationships" xmlns:p="http://schemas.openxmlformats.org/presentationml/2006/main">
+  <p:cSld>
+    <p:spTree>
+      <p:nvGrpSpPr>
+        <p:cNvPr id="1" name=""/>
+        <p:cNvGrpSpPr/>
+        <p:nvPr/>
+      </p:nvGrpSpPr>
+      <p:grpSpPr/>
+      <p:sp>
+        <p:nvSpPr>
+          <p:cNvPr id="2" name="Title 1"/>
+          <p:cNvSpPr/>
+          <p:nvPr>
+            <p:ph type="title"/>
+          </p:nvPr>
+        </p:nvSpPr>
+        <p:spPr/>
+        <p:txBody>
+          <a:bodyPr/>
+          <a:p>
+            <a:r>
+              <a:rPr lang="" altLang="en-US"/>
+              <a:t>Consumer Config Properties</a:t>
+            </a:r>
+            <a:endParaRPr lang="" altLang="en-US"/>
+          </a:p>
+        </p:txBody>
+      </p:sp>
+      <p:sp>
+        <p:nvSpPr>
+          <p:cNvPr id="3" name="Text Placeholder 2"/>
+          <p:cNvSpPr/>
+          <p:nvPr>
+            <p:ph type="body" idx="1"/>
+          </p:nvPr>
+        </p:nvSpPr>
+        <p:spPr/>
+        <p:txBody>
+          <a:bodyPr/>
+          <a:p>
+            <a:pPr marL="514350" indent="-285750">
+              <a:buFont typeface="Arial" panose="02080604020202020204" pitchFamily="34" charset="0"/>
+              <a:buChar char="•"/>
+            </a:pPr>
+            <a:r>
+              <a:rPr lang="" altLang="en-US"/>
+              <a:t>group.id - If two consumer have same group id &amp; subscribe to same topic, each will be assigned a subset of partition. Thus, read subset of messages.</a:t>
+            </a:r>
+            <a:endParaRPr lang="" altLang="en-US"/>
+          </a:p>
+          <a:p>
+            <a:pPr marL="514350" indent="-285750">
+              <a:buFont typeface="Arial" panose="02080604020202020204" pitchFamily="34" charset="0"/>
+              <a:buChar char="•"/>
+            </a:pPr>
+            <a:r>
+              <a:rPr lang="" altLang="en-US"/>
+              <a:t>auto.offset.reset - Consumer don't get offset information. earliest/latest are options.</a:t>
+            </a:r>
+            <a:endParaRPr lang="" altLang="en-US"/>
+          </a:p>
+          <a:p>
+            <a:pPr marL="514350" indent="-285750">
+              <a:buFont typeface="Arial" panose="02080604020202020204" pitchFamily="34" charset="0"/>
+              <a:buChar char="•"/>
+            </a:pPr>
+            <a:r>
+              <a:rPr lang="" altLang="en-US"/>
+              <a:t>enable.auto.commit</a:t>
+            </a:r>
+            <a:endParaRPr lang="" altLang="en-US"/>
+          </a:p>
+          <a:p>
+            <a:pPr marL="514350" indent="-285750">
+              <a:buFont typeface="Arial" panose="02080604020202020204" pitchFamily="34" charset="0"/>
+              <a:buChar char="•"/>
+            </a:pPr>
+            <a:r>
+              <a:rPr lang="" altLang="en-US"/>
+              <a:t>auto.commit.interval.ms</a:t>
+            </a:r>
+            <a:endParaRPr lang="" altLang="en-US"/>
+          </a:p>
+          <a:p>
+            <a:pPr marL="514350" indent="-285750">
+              <a:buFont typeface="Arial" panose="02080604020202020204" pitchFamily="34" charset="0"/>
+              <a:buChar char="•"/>
+            </a:pPr>
+            <a:endParaRPr lang="" altLang="en-US"/>
+          </a:p>
+          <a:p>
+            <a:pPr marL="228600" indent="0"/>
+            <a:r>
+              <a:rPr lang="" altLang="en-US"/>
+              <a:t> </a:t>
+            </a:r>
+            <a:endParaRPr lang="" altLang="en-US"/>
+          </a:p>
+        </p:txBody>
+      </p:sp>
+    </p:spTree>
+  </p:cSld>
+  <p:clrMapOvr>
+    <a:masterClrMapping/>
+  </p:clrMapOvr>
+</p:sld>
+</file>
+
+<file path=ppt/slides/slide11.xml><?xml version="1.0" encoding="utf-8"?>
+<p:sld xmlns:a="http://schemas.openxmlformats.org/drawingml/2006/main" xmlns:r="http://schemas.openxmlformats.org/officeDocument/2006/relationships" xmlns:p="http://schemas.openxmlformats.org/presentationml/2006/main">
+  <p:cSld>
+    <p:spTree>
+      <p:nvGrpSpPr>
+        <p:cNvPr id="1" name=""/>
+        <p:cNvGrpSpPr/>
+        <p:nvPr/>
+      </p:nvGrpSpPr>
+      <p:grpSpPr/>
+      <p:sp>
+        <p:nvSpPr>
+          <p:cNvPr id="2" name="Title 1"/>
+          <p:cNvSpPr/>
+          <p:nvPr>
+            <p:ph type="title"/>
+          </p:nvPr>
+        </p:nvSpPr>
+        <p:spPr/>
+        <p:txBody>
+          <a:bodyPr/>
+          <a:p>
+            <a:r>
+              <a:rPr lang="" altLang="en-US"/>
+              <a:t>Validating System Reliability</a:t>
+            </a:r>
+            <a:endParaRPr lang="" altLang="en-US"/>
+          </a:p>
+        </p:txBody>
+      </p:sp>
+      <p:sp>
+        <p:nvSpPr>
+          <p:cNvPr id="3" name="Text Placeholder 2"/>
+          <p:cNvSpPr/>
+          <p:nvPr>
+            <p:ph type="body" idx="1"/>
+          </p:nvPr>
+        </p:nvSpPr>
+        <p:spPr/>
+        <p:txBody>
+          <a:bodyPr/>
+          <a:p>
+            <a:pPr marL="514350" indent="-285750">
+              <a:buFont typeface="Arial" panose="02080604020202020204" pitchFamily="34" charset="0"/>
+              <a:buChar char="•"/>
+            </a:pPr>
+            <a:r>
+              <a:rPr lang="en-US" sz="1600"/>
+              <a:t>Leader election: what happens if I kill the leader? How long does it take the pro‐ducer and consumer to start working as usual again?</a:t>
+            </a:r>
+            <a:endParaRPr lang="en-US" sz="1600"/>
+          </a:p>
+          <a:p>
+            <a:pPr marL="514350" indent="-285750">
+              <a:buFont typeface="Arial" panose="02080604020202020204" pitchFamily="34" charset="0"/>
+              <a:buChar char="•"/>
+            </a:pPr>
+            <a:r>
+              <a:rPr lang="en-US" sz="1600"/>
+              <a:t>Controller election: how long does it take the system to resume after a restart of the controller?</a:t>
+            </a:r>
+            <a:endParaRPr lang="en-US" sz="1600"/>
+          </a:p>
+          <a:p>
+            <a:pPr marL="514350" indent="-285750">
+              <a:buFont typeface="Arial" panose="02080604020202020204" pitchFamily="34" charset="0"/>
+              <a:buChar char="•"/>
+            </a:pPr>
+            <a:r>
+              <a:rPr lang="en-US" sz="1600"/>
+              <a:t>Rolling restart: can I restart the brokers one by one without losing any messages?</a:t>
+            </a:r>
+            <a:endParaRPr lang="en-US" sz="1600"/>
+          </a:p>
+          <a:p>
+            <a:pPr marL="514350" indent="-285750">
+              <a:buFont typeface="Arial" panose="02080604020202020204" pitchFamily="34" charset="0"/>
+              <a:buChar char="•"/>
+            </a:pPr>
+            <a:r>
+              <a:rPr lang="en-US" sz="1600"/>
+              <a:t>Unclean leader election test: what happens when we kill all the replicas for a par‐tition one by one (to make sure each goes out of sync) and then start a broker that was out of sync? </a:t>
+            </a:r>
+            <a:endParaRPr lang="en-US" sz="1600"/>
+          </a:p>
+        </p:txBody>
+      </p:sp>
+    </p:spTree>
+  </p:cSld>
+  <p:clrMapOvr>
+    <a:masterClrMapping/>
+  </p:clrMapOvr>
+</p:sld>
+</file>
+
+<file path=ppt/slides/slide12.xml><?xml version="1.0" encoding="utf-8"?>
+<p:sld xmlns:a="http://schemas.openxmlformats.org/drawingml/2006/main" xmlns:r="http://schemas.openxmlformats.org/officeDocument/2006/relationships" xmlns:p="http://schemas.openxmlformats.org/presentationml/2006/main">
+  <p:cSld>
+    <p:spTree>
+      <p:nvGrpSpPr>
+        <p:cNvPr id="215" name="Shape 215"/>
+        <p:cNvGrpSpPr/>
+        <p:nvPr/>
+      </p:nvGrpSpPr>
+      <p:grpSpPr>
+        <a:xfrm>
+          <a:off x="0" y="0"/>
+          <a:ext cx="0" cy="0"/>
+          <a:chOff x="0" y="0"/>
+          <a:chExt cx="0" cy="0"/>
+        </a:xfrm>
+      </p:grpSpPr>
+      <p:sp>
+        <p:nvSpPr>
+          <p:cNvPr id="216" name="Google Shape;216;p16"/>
+          <p:cNvSpPr txBox="1"/>
+          <p:nvPr>
+            <p:ph type="ctrTitle"/>
+          </p:nvPr>
+        </p:nvSpPr>
+        <p:spPr>
+          <a:xfrm>
+            <a:off x="496411" y="1970119"/>
+            <a:ext cx="8222100" cy="933600"/>
+          </a:xfrm>
+          <a:prstGeom prst="rect">
+            <a:avLst/>
+          </a:prstGeom>
+          <a:noFill/>
+          <a:ln>
+            <a:noFill/>
+          </a:ln>
+        </p:spPr>
+        <p:txBody>
+          <a:bodyPr spcFirstLastPara="1" wrap="square" lIns="91425" tIns="91425" rIns="91425" bIns="91425" anchor="b" anchorCtr="0">
+            <a:noAutofit/>
+          </a:bodyPr>
+          <a:lstStyle/>
+          <a:p>
+            <a:pPr marL="0" marR="0" lvl="0" indent="0" algn="l" rtl="0">
+              <a:lnSpc>
+                <a:spcPct val="100000"/>
+              </a:lnSpc>
+              <a:spcBef>
+                <a:spcPts val="0"/>
+              </a:spcBef>
+              <a:spcAft>
+                <a:spcPts val="0"/>
+              </a:spcAft>
+              <a:buClr>
+                <a:schemeClr val="lt1"/>
+              </a:buClr>
+              <a:buSzPts val="1200"/>
+              <a:buFont typeface="Roboto"/>
+              <a:buNone/>
+            </a:pPr>
+            <a:r>
+              <a:rPr lang="en-GB" sz="4800" b="0" i="0" u="none" strike="noStrike" cap="none">
+                <a:solidFill>
+                  <a:schemeClr val="lt1"/>
+                </a:solidFill>
+                <a:latin typeface="Roboto"/>
+                <a:ea typeface="Roboto"/>
+                <a:cs typeface="Roboto"/>
+                <a:sym typeface="Roboto"/>
+              </a:rPr>
+              <a:t>Thank You !!!</a:t>
+            </a:r>
+            <a:endParaRPr lang="en-GB" sz="4800" b="0" i="0" u="none" strike="noStrike" cap="none">
+              <a:solidFill>
+                <a:schemeClr val="lt1"/>
+              </a:solidFill>
+              <a:latin typeface="Roboto"/>
+              <a:ea typeface="Roboto"/>
+              <a:cs typeface="Roboto"/>
+              <a:sym typeface="Roboto"/>
+            </a:endParaRPr>
+          </a:p>
+        </p:txBody>
+      </p:sp>
+    </p:spTree>
+  </p:cSld>
+  <p:clrMapOvr>
+    <a:masterClrMapping/>
+  </p:clrMapOvr>
+</p:sld>
+</file>
+
+<file path=ppt/slides/slide13.xml><?xml version="1.0" encoding="utf-8"?>
+<p:sld xmlns:a="http://schemas.openxmlformats.org/drawingml/2006/main" xmlns:r="http://schemas.openxmlformats.org/officeDocument/2006/relationships" xmlns:p="http://schemas.openxmlformats.org/presentationml/2006/main">
+  <p:cSld>
+    <p:spTree>
+      <p:nvGrpSpPr>
+        <p:cNvPr id="220" name="Shape 220"/>
+        <p:cNvGrpSpPr/>
+        <p:nvPr/>
+      </p:nvGrpSpPr>
+      <p:grpSpPr>
+        <a:xfrm>
+          <a:off x="0" y="0"/>
+          <a:ext cx="0" cy="0"/>
+          <a:chOff x="0" y="0"/>
+          <a:chExt cx="0" cy="0"/>
+        </a:xfrm>
+      </p:grpSpPr>
+      <p:sp>
+        <p:nvSpPr>
+          <p:cNvPr id="221" name="Google Shape;221;p17"/>
+          <p:cNvSpPr txBox="1"/>
+          <p:nvPr>
+            <p:ph type="body" idx="1"/>
+          </p:nvPr>
+        </p:nvSpPr>
+        <p:spPr>
+          <a:xfrm>
+            <a:off x="57150" y="4696825"/>
+            <a:ext cx="8381999" cy="446700"/>
+          </a:xfrm>
+          <a:prstGeom prst="rect">
+            <a:avLst/>
+          </a:prstGeom>
+          <a:noFill/>
+          <a:ln>
+            <a:noFill/>
+          </a:ln>
+        </p:spPr>
+        <p:txBody>
+          <a:bodyPr spcFirstLastPara="1" wrap="square" lIns="91425" tIns="91425" rIns="91425" bIns="91425" anchor="ctr" anchorCtr="0">
+            <a:noAutofit/>
+          </a:bodyPr>
+          <a:lstStyle/>
+          <a:p>
+            <a:pPr marL="0" marR="0" lvl="0" indent="0" algn="l" rtl="0">
+              <a:lnSpc>
+                <a:spcPct val="100000"/>
+              </a:lnSpc>
+              <a:spcBef>
+                <a:spcPts val="0"/>
+              </a:spcBef>
+              <a:spcAft>
+                <a:spcPts val="0"/>
+              </a:spcAft>
+              <a:buClr>
+                <a:schemeClr val="lt1"/>
+              </a:buClr>
+              <a:buSzPts val="300"/>
+              <a:buFont typeface="Roboto"/>
+              <a:buNone/>
+            </a:pPr>
+            <a:r>
+              <a:rPr lang="en-GB" sz="1200" b="0" i="0" u="none" strike="noStrike" cap="none">
+                <a:solidFill>
+                  <a:schemeClr val="lt1"/>
+                </a:solidFill>
+                <a:latin typeface="Roboto"/>
+                <a:ea typeface="Roboto"/>
+                <a:cs typeface="Roboto"/>
+                <a:sym typeface="Roboto"/>
+              </a:rPr>
+              <a:t>Visit : </a:t>
+            </a:r>
+            <a:r>
+              <a:rPr lang="en-GB" sz="1200" b="0" i="0" u="sng" strike="noStrike" cap="none">
+                <a:solidFill>
+                  <a:schemeClr val="hlink"/>
+                </a:solidFill>
+                <a:latin typeface="Roboto"/>
+                <a:ea typeface="Roboto"/>
+                <a:cs typeface="Roboto"/>
+                <a:sym typeface="Roboto"/>
+                <a:hlinkClick r:id="rId1"/>
+              </a:rPr>
+              <a:t>www.zekeLabs.com</a:t>
+            </a:r>
+            <a:r>
+              <a:rPr lang="en-GB" sz="1200" b="0" i="0" u="none" strike="noStrike" cap="none">
+                <a:solidFill>
+                  <a:schemeClr val="lt1"/>
+                </a:solidFill>
+                <a:latin typeface="Roboto"/>
+                <a:ea typeface="Roboto"/>
+                <a:cs typeface="Roboto"/>
+                <a:sym typeface="Roboto"/>
+              </a:rPr>
+              <a:t> for more details</a:t>
+            </a:r>
+            <a:endParaRPr lang="en-GB" sz="1200" b="0" i="0" u="none" strike="noStrike" cap="none">
+              <a:solidFill>
+                <a:schemeClr val="lt1"/>
+              </a:solidFill>
+              <a:latin typeface="Roboto"/>
+              <a:ea typeface="Roboto"/>
+              <a:cs typeface="Roboto"/>
+              <a:sym typeface="Roboto"/>
+            </a:endParaRPr>
+          </a:p>
+        </p:txBody>
+      </p:sp>
+      <p:sp>
+        <p:nvSpPr>
+          <p:cNvPr id="222" name="Google Shape;222;p17"/>
+          <p:cNvSpPr txBox="1"/>
+          <p:nvPr/>
+        </p:nvSpPr>
+        <p:spPr>
+          <a:xfrm>
+            <a:off x="228600" y="300425"/>
+            <a:ext cx="8763300" cy="4320300"/>
+          </a:xfrm>
+          <a:prstGeom prst="rect">
+            <a:avLst/>
+          </a:prstGeom>
+          <a:noFill/>
+          <a:ln>
+            <a:noFill/>
+          </a:ln>
+        </p:spPr>
+        <p:txBody>
+          <a:bodyPr spcFirstLastPara="1" wrap="square" lIns="91425" tIns="91425" rIns="91425" bIns="91425" anchor="t" anchorCtr="0">
+            <a:noAutofit/>
+          </a:bodyPr>
+          <a:lstStyle/>
+          <a:p>
+            <a:pPr marL="0" marR="0" lvl="0" indent="0" algn="l" rtl="0">
+              <a:lnSpc>
+                <a:spcPct val="100000"/>
+              </a:lnSpc>
+              <a:spcBef>
+                <a:spcPts val="0"/>
+              </a:spcBef>
+              <a:spcAft>
+                <a:spcPts val="0"/>
+              </a:spcAft>
+              <a:buClr>
+                <a:srgbClr val="000000"/>
+              </a:buClr>
+              <a:buSzPts val="2400"/>
+              <a:buFont typeface="Arial"/>
+              <a:buNone/>
+            </a:pPr>
+            <a:endParaRPr sz="2400" b="1" i="0" u="none" strike="noStrike" cap="none">
+              <a:solidFill>
+                <a:schemeClr val="dk1"/>
+              </a:solidFill>
+              <a:latin typeface="Arial"/>
+              <a:ea typeface="Arial"/>
+              <a:cs typeface="Arial"/>
+              <a:sym typeface="Arial"/>
+            </a:endParaRPr>
+          </a:p>
+          <a:p>
+            <a:pPr marL="0" marR="0" lvl="0" indent="0" algn="ctr" rtl="0">
+              <a:lnSpc>
+                <a:spcPct val="100000"/>
+              </a:lnSpc>
+              <a:spcBef>
+                <a:spcPts val="0"/>
+              </a:spcBef>
+              <a:spcAft>
+                <a:spcPts val="0"/>
+              </a:spcAft>
+              <a:buClr>
+                <a:schemeClr val="dk1"/>
+              </a:buClr>
+              <a:buSzPts val="500"/>
+              <a:buFont typeface="Arial"/>
+              <a:buNone/>
+            </a:pPr>
+            <a:r>
+              <a:rPr lang="en-GB" sz="2000" b="1" i="0" u="none" strike="noStrike" cap="none">
+                <a:solidFill>
+                  <a:schemeClr val="dk1"/>
+                </a:solidFill>
+                <a:latin typeface="Arial"/>
+                <a:ea typeface="Arial"/>
+                <a:cs typeface="Arial"/>
+                <a:sym typeface="Arial"/>
+              </a:rPr>
+              <a:t>THANK YOU</a:t>
+            </a:r>
+            <a:endParaRPr lang="en-GB" sz="2000" b="1" i="0" u="none" strike="noStrike" cap="none">
+              <a:solidFill>
+                <a:schemeClr val="dk1"/>
+              </a:solidFill>
+              <a:latin typeface="Arial"/>
+              <a:ea typeface="Arial"/>
+              <a:cs typeface="Arial"/>
+              <a:sym typeface="Arial"/>
+            </a:endParaRPr>
+          </a:p>
+          <a:p>
+            <a:pPr marL="0" marR="0" lvl="0" indent="0" algn="ctr" rtl="0">
+              <a:lnSpc>
+                <a:spcPct val="100000"/>
+              </a:lnSpc>
+              <a:spcBef>
+                <a:spcPts val="0"/>
+              </a:spcBef>
+              <a:spcAft>
+                <a:spcPts val="0"/>
+              </a:spcAft>
+              <a:buClr>
+                <a:srgbClr val="000000"/>
+              </a:buClr>
+              <a:buSzPts val="2000"/>
+              <a:buFont typeface="Arial"/>
+              <a:buNone/>
+            </a:pPr>
+            <a:endParaRPr sz="2000" b="1" i="0" u="none" strike="noStrike" cap="none">
+              <a:solidFill>
+                <a:schemeClr val="dk1"/>
+              </a:solidFill>
+              <a:latin typeface="Arial"/>
+              <a:ea typeface="Arial"/>
+              <a:cs typeface="Arial"/>
+              <a:sym typeface="Arial"/>
+            </a:endParaRPr>
+          </a:p>
+          <a:p>
+            <a:pPr marL="0" marR="0" lvl="0" indent="0" algn="l" rtl="0">
+              <a:lnSpc>
+                <a:spcPct val="100000"/>
+              </a:lnSpc>
+              <a:spcBef>
+                <a:spcPts val="0"/>
+              </a:spcBef>
+              <a:spcAft>
+                <a:spcPts val="0"/>
+              </a:spcAft>
+              <a:buClr>
+                <a:schemeClr val="dk1"/>
+              </a:buClr>
+              <a:buSzPts val="500"/>
+              <a:buFont typeface="Arial"/>
+              <a:buNone/>
+            </a:pPr>
+            <a:r>
+              <a:rPr lang="en-GB" sz="2000" b="1" i="0" u="none" strike="noStrike" cap="none">
+                <a:solidFill>
+                  <a:schemeClr val="dk1"/>
+                </a:solidFill>
+                <a:latin typeface="Arial"/>
+                <a:ea typeface="Arial"/>
+                <a:cs typeface="Arial"/>
+                <a:sym typeface="Arial"/>
+              </a:rPr>
+              <a:t>Let us know how can we help your organization to Upskill the employees to stay updated in the ever-evolving IT Industry.</a:t>
+            </a:r>
+            <a:endParaRPr lang="en-GB" sz="2000" b="1" i="0" u="none" strike="noStrike" cap="none">
+              <a:solidFill>
+                <a:schemeClr val="dk1"/>
+              </a:solidFill>
+              <a:latin typeface="Arial"/>
+              <a:ea typeface="Arial"/>
+              <a:cs typeface="Arial"/>
+              <a:sym typeface="Arial"/>
+            </a:endParaRPr>
+          </a:p>
+          <a:p>
+            <a:pPr marL="0" marR="0" lvl="0" indent="0" algn="l" rtl="0">
+              <a:lnSpc>
+                <a:spcPct val="100000"/>
+              </a:lnSpc>
+              <a:spcBef>
+                <a:spcPts val="0"/>
+              </a:spcBef>
+              <a:spcAft>
+                <a:spcPts val="0"/>
+              </a:spcAft>
+              <a:buClr>
+                <a:srgbClr val="000000"/>
+              </a:buClr>
+              <a:buSzPts val="2000"/>
+              <a:buFont typeface="Arial"/>
+              <a:buNone/>
+            </a:pPr>
+            <a:endParaRPr sz="2000" b="1" i="0" u="none" strike="noStrike" cap="none">
+              <a:solidFill>
+                <a:schemeClr val="dk1"/>
+              </a:solidFill>
+              <a:latin typeface="Arial"/>
+              <a:ea typeface="Arial"/>
+              <a:cs typeface="Arial"/>
+              <a:sym typeface="Arial"/>
+            </a:endParaRPr>
+          </a:p>
+          <a:p>
+            <a:pPr marL="0" marR="0" lvl="0" indent="0" algn="l" rtl="0">
+              <a:lnSpc>
+                <a:spcPct val="100000"/>
+              </a:lnSpc>
+              <a:spcBef>
+                <a:spcPts val="0"/>
+              </a:spcBef>
+              <a:spcAft>
+                <a:spcPts val="0"/>
+              </a:spcAft>
+              <a:buClr>
+                <a:srgbClr val="000000"/>
+              </a:buClr>
+              <a:buSzPts val="2000"/>
+              <a:buFont typeface="Arial"/>
+              <a:buNone/>
+            </a:pPr>
+            <a:endParaRPr sz="2000" b="1" i="0" u="none" strike="noStrike" cap="none">
+              <a:solidFill>
+                <a:schemeClr val="dk1"/>
+              </a:solidFill>
+              <a:latin typeface="Arial"/>
+              <a:ea typeface="Arial"/>
+              <a:cs typeface="Arial"/>
+              <a:sym typeface="Arial"/>
+            </a:endParaRPr>
+          </a:p>
+          <a:p>
+            <a:pPr marL="0" marR="0" lvl="0" indent="0" algn="l" rtl="0">
+              <a:lnSpc>
+                <a:spcPct val="100000"/>
+              </a:lnSpc>
+              <a:spcBef>
+                <a:spcPts val="0"/>
+              </a:spcBef>
+              <a:spcAft>
+                <a:spcPts val="0"/>
+              </a:spcAft>
+              <a:buClr>
+                <a:schemeClr val="dk1"/>
+              </a:buClr>
+              <a:buSzPts val="500"/>
+              <a:buFont typeface="Arial"/>
+              <a:buNone/>
+            </a:pPr>
+            <a:r>
+              <a:rPr lang="en-GB" sz="2000" b="1" i="0" u="none" strike="noStrike" cap="none">
+                <a:solidFill>
+                  <a:schemeClr val="dk1"/>
+                </a:solidFill>
+                <a:latin typeface="Arial"/>
+                <a:ea typeface="Arial"/>
+                <a:cs typeface="Arial"/>
+                <a:sym typeface="Arial"/>
+              </a:rPr>
+              <a:t>Get in touch:</a:t>
+            </a:r>
+            <a:endParaRPr lang="en-GB" sz="2000" b="1" i="0" u="none" strike="noStrike" cap="none">
+              <a:solidFill>
+                <a:schemeClr val="dk1"/>
+              </a:solidFill>
+              <a:latin typeface="Arial"/>
+              <a:ea typeface="Arial"/>
+              <a:cs typeface="Arial"/>
+              <a:sym typeface="Arial"/>
+            </a:endParaRPr>
+          </a:p>
+          <a:p>
+            <a:pPr marL="0" marR="0" lvl="0" indent="0" algn="l" rtl="0">
+              <a:lnSpc>
+                <a:spcPct val="100000"/>
+              </a:lnSpc>
+              <a:spcBef>
+                <a:spcPts val="0"/>
+              </a:spcBef>
+              <a:spcAft>
+                <a:spcPts val="0"/>
+              </a:spcAft>
+              <a:buClr>
+                <a:schemeClr val="dk1"/>
+              </a:buClr>
+              <a:buSzPts val="500"/>
+              <a:buFont typeface="Arial"/>
+              <a:buNone/>
+            </a:pPr>
+            <a:br>
+              <a:rPr lang="en-GB" sz="2000" b="1" i="0" u="none" strike="noStrike" cap="none">
+                <a:solidFill>
+                  <a:schemeClr val="dk1"/>
+                </a:solidFill>
+                <a:latin typeface="Arial"/>
+                <a:ea typeface="Arial"/>
+                <a:cs typeface="Arial"/>
+                <a:sym typeface="Arial"/>
+              </a:rPr>
+            </a:br>
+            <a:r>
+              <a:rPr lang="en-GB" sz="2000" b="1" i="0" u="none" strike="noStrike" cap="none">
+                <a:solidFill>
+                  <a:schemeClr val="dk1"/>
+                </a:solidFill>
+                <a:latin typeface="Arial"/>
+                <a:ea typeface="Arial"/>
+                <a:cs typeface="Arial"/>
+                <a:sym typeface="Arial"/>
+              </a:rPr>
+              <a:t>	www.zekeLabs.com | +91-8095465880 | info@zekeLabs.com</a:t>
+            </a:r>
+            <a:endParaRPr lang="en-GB" sz="2000" b="1" i="0" u="none" strike="noStrike" cap="none">
+              <a:solidFill>
+                <a:schemeClr val="dk1"/>
+              </a:solidFill>
+              <a:latin typeface="Arial"/>
+              <a:ea typeface="Arial"/>
+              <a:cs typeface="Arial"/>
+              <a:sym typeface="Arial"/>
+            </a:endParaRPr>
+          </a:p>
+        </p:txBody>
+      </p:sp>
+      <p:pic>
+        <p:nvPicPr>
+          <p:cNvPr id="223" name="Google Shape;223;p17"/>
+          <p:cNvPicPr preferRelativeResize="0"/>
+          <p:nvPr/>
+        </p:nvPicPr>
+        <p:blipFill rotWithShape="1">
+          <a:blip r:embed="rId2"/>
+          <a:srcRect/>
+          <a:stretch>
+            <a:fillRect/>
+          </a:stretch>
+        </p:blipFill>
+        <p:spPr>
+          <a:xfrm>
+            <a:off x="135675" y="4043475"/>
+            <a:ext cx="8856227" cy="577150"/>
           </a:xfrm>
           <a:prstGeom prst="rect">
             <a:avLst/>
@@ -19746,12 +20514,12 @@
               <a:buChar char="•"/>
             </a:pPr>
             <a:r>
-              <a:rPr lang="en-US" sz="1500">
+              <a:rPr lang="" altLang="en-US" sz="1500">
                 <a:solidFill>
                   <a:srgbClr val="666666"/>
                 </a:solidFill>
               </a:rPr>
-              <a:t>Use linux</a:t>
+              <a:t>Reliability Gurantees</a:t>
             </a:r>
             <a:endParaRPr lang="en-US" sz="1500">
               <a:solidFill>
@@ -19778,12 +20546,12 @@
               <a:buChar char="•"/>
             </a:pPr>
             <a:r>
-              <a:rPr lang="en-US" sz="1500">
+              <a:rPr lang="" altLang="en-US" sz="1500">
                 <a:solidFill>
                   <a:srgbClr val="666666"/>
                 </a:solidFill>
               </a:rPr>
-              <a:t>Common DataStructures</a:t>
+              <a:t>Replication</a:t>
             </a:r>
             <a:endParaRPr lang="en-US" sz="1500">
               <a:solidFill>
@@ -19810,12 +20578,44 @@
               <a:buChar char="•"/>
             </a:pPr>
             <a:r>
-              <a:rPr lang="en-US" sz="1500">
+              <a:rPr lang="" altLang="en-US" sz="1500">
                 <a:solidFill>
                   <a:srgbClr val="666666"/>
                 </a:solidFill>
               </a:rPr>
-              <a:t>unittest framework</a:t>
+              <a:t>Broker Configuration</a:t>
+            </a:r>
+            <a:endParaRPr lang="" altLang="en-US" sz="1500">
+              <a:solidFill>
+                <a:srgbClr val="666666"/>
+              </a:solidFill>
+            </a:endParaRPr>
+          </a:p>
+          <a:p>
+            <a:pPr marL="419100" marR="0" lvl="0" indent="-285750" algn="l" rtl="0">
+              <a:lnSpc>
+                <a:spcPct val="150000"/>
+              </a:lnSpc>
+              <a:spcBef>
+                <a:spcPts val="0"/>
+              </a:spcBef>
+              <a:spcAft>
+                <a:spcPts val="0"/>
+              </a:spcAft>
+              <a:buClr>
+                <a:srgbClr val="666666"/>
+              </a:buClr>
+              <a:buSzPts val="1500"/>
+              <a:buFont typeface="Arial" panose="02080604020202020204" pitchFamily="34" charset="0"/>
+              <a:buChar char="•"/>
+            </a:pPr>
+            <a:r>
+              <a:rPr lang="" altLang="en-US" sz="1500">
+                <a:solidFill>
+                  <a:srgbClr val="666666"/>
+                </a:solidFill>
+              </a:rPr>
+              <a:t>Unclean Leader Election</a:t>
             </a:r>
             <a:endParaRPr lang="en-US" sz="1500">
               <a:solidFill>
@@ -19842,14 +20642,14 @@
               <a:buChar char="•"/>
             </a:pPr>
             <a:r>
-              <a:rPr lang="en-US" sz="1500">
+              <a:rPr lang="" altLang="en-US" sz="1500">
                 <a:solidFill>
                   <a:srgbClr val="666666"/>
                 </a:solidFill>
               </a:rPr>
-              <a:t>pytest with pyspark</a:t>
+              <a:t>Minimum Insync replicas</a:t>
             </a:r>
-            <a:endParaRPr lang="en-US" sz="1500">
+            <a:endParaRPr lang="" altLang="en-US" sz="1500">
               <a:solidFill>
                 <a:srgbClr val="666666"/>
               </a:solidFill>
@@ -19874,13 +20674,125 @@
               <a:buChar char="•"/>
             </a:pPr>
             <a:r>
-              <a:rPr lang="en-US" sz="1500">
+              <a:rPr lang="" altLang="en-US" sz="1500">
                 <a:solidFill>
                   <a:srgbClr val="666666"/>
                 </a:solidFill>
               </a:rPr>
-              <a:t>write your own unittest framework</a:t>
+              <a:t>Making Producers Reliable</a:t>
             </a:r>
+            <a:endParaRPr lang="" altLang="en-US" sz="1500">
+              <a:solidFill>
+                <a:srgbClr val="666666"/>
+              </a:solidFill>
+            </a:endParaRPr>
+          </a:p>
+          <a:p>
+            <a:pPr marL="419100" marR="0" lvl="0" indent="-285750" algn="l" rtl="0">
+              <a:lnSpc>
+                <a:spcPct val="150000"/>
+              </a:lnSpc>
+              <a:spcBef>
+                <a:spcPts val="0"/>
+              </a:spcBef>
+              <a:spcAft>
+                <a:spcPts val="0"/>
+              </a:spcAft>
+              <a:buClr>
+                <a:srgbClr val="666666"/>
+              </a:buClr>
+              <a:buSzPts val="1500"/>
+              <a:buFont typeface="Arial" panose="02080604020202020204" pitchFamily="34" charset="0"/>
+              <a:buChar char="•"/>
+            </a:pPr>
+            <a:r>
+              <a:rPr lang="" altLang="en-US" sz="1500">
+                <a:solidFill>
+                  <a:srgbClr val="666666"/>
+                </a:solidFill>
+              </a:rPr>
+              <a:t>making Consumers Reliable</a:t>
+            </a:r>
+            <a:endParaRPr lang="" altLang="en-US" sz="1500">
+              <a:solidFill>
+                <a:srgbClr val="666666"/>
+              </a:solidFill>
+            </a:endParaRPr>
+          </a:p>
+          <a:p>
+            <a:pPr marL="419100" marR="0" lvl="0" indent="-285750" algn="l" rtl="0">
+              <a:lnSpc>
+                <a:spcPct val="150000"/>
+              </a:lnSpc>
+              <a:spcBef>
+                <a:spcPts val="0"/>
+              </a:spcBef>
+              <a:spcAft>
+                <a:spcPts val="0"/>
+              </a:spcAft>
+              <a:buClr>
+                <a:srgbClr val="666666"/>
+              </a:buClr>
+              <a:buSzPts val="1500"/>
+              <a:buFont typeface="Arial" panose="02080604020202020204" pitchFamily="34" charset="0"/>
+              <a:buChar char="•"/>
+            </a:pPr>
+            <a:r>
+              <a:rPr lang="" altLang="en-US" sz="1500">
+                <a:solidFill>
+                  <a:srgbClr val="666666"/>
+                </a:solidFill>
+              </a:rPr>
+              <a:t>Validating System Reliability</a:t>
+            </a:r>
+            <a:endParaRPr lang="" altLang="en-US" sz="1500">
+              <a:solidFill>
+                <a:srgbClr val="666666"/>
+              </a:solidFill>
+            </a:endParaRPr>
+          </a:p>
+          <a:p>
+            <a:pPr marL="419100" marR="0" lvl="0" indent="-285750" algn="l" rtl="0">
+              <a:lnSpc>
+                <a:spcPct val="150000"/>
+              </a:lnSpc>
+              <a:spcBef>
+                <a:spcPts val="0"/>
+              </a:spcBef>
+              <a:spcAft>
+                <a:spcPts val="0"/>
+              </a:spcAft>
+              <a:buClr>
+                <a:srgbClr val="666666"/>
+              </a:buClr>
+              <a:buSzPts val="1500"/>
+              <a:buFont typeface="Arial" panose="02080604020202020204" pitchFamily="34" charset="0"/>
+              <a:buChar char="•"/>
+            </a:pPr>
+            <a:endParaRPr lang="" altLang="en-US" sz="1500">
+              <a:solidFill>
+                <a:srgbClr val="666666"/>
+              </a:solidFill>
+            </a:endParaRPr>
+          </a:p>
+          <a:p>
+            <a:pPr marL="419100" marR="0" lvl="0" indent="-285750" algn="l" rtl="0">
+              <a:lnSpc>
+                <a:spcPct val="150000"/>
+              </a:lnSpc>
+              <a:spcBef>
+                <a:spcPts val="0"/>
+              </a:spcBef>
+              <a:spcAft>
+                <a:spcPts val="0"/>
+              </a:spcAft>
+              <a:buClr>
+                <a:srgbClr val="666666"/>
+              </a:buClr>
+              <a:buSzPts val="1500"/>
+              <a:buFont typeface="Arial" panose="02080604020202020204" pitchFamily="34" charset="0"/>
+              <a:buChar char="•"/>
+            </a:pPr>
             <a:endParaRPr sz="1500">
               <a:solidFill>
                 <a:srgbClr val="666666"/>
@@ -20047,10 +20959,10 @@
               <a:buNone/>
             </a:pPr>
             <a:r>
-              <a:rPr lang="en-US" altLang="en-GB"/>
-              <a:t>Unit Testing</a:t>
+              <a:rPr lang="" altLang="en-US"/>
+              <a:t>Reliability Guarantees</a:t>
             </a:r>
-            <a:endParaRPr lang="en-US" altLang="en-GB" sz="1800" b="0" i="0" u="none" strike="noStrike" cap="none">
+            <a:endParaRPr lang="" altLang="en-US" sz="1800" b="0" i="0" u="none" strike="noStrike" cap="none">
               <a:solidFill>
                 <a:schemeClr val="lt1"/>
               </a:solidFill>
@@ -20100,8 +21012,12 @@
               <a:buChar char="•"/>
             </a:pPr>
             <a:r>
+              <a:rPr lang="" altLang="en-US"/>
+              <a:t>B</a:t>
+            </a:r>
+            <a:r>
               <a:rPr lang="en-US"/>
-              <a:t>A unit test is a small fragment of code that tests one functional unit of our software.</a:t>
+              <a:t>ehaviors a system is guaranteed to preserve under different circumstances.</a:t>
             </a:r>
             <a:endParaRPr lang="en-US"/>
           </a:p>
@@ -20121,9 +21037,89 @@
               <a:buChar char="•"/>
             </a:pPr>
             <a:r>
-              <a:rPr lang="en-US"/>
-              <a:t>Unit - Can be class or a function</a:t>
+              <a:rPr lang="" altLang="en-US"/>
+              <a:t>Message-order in a partition</a:t>
             </a:r>
+            <a:endParaRPr lang="" altLang="en-US"/>
+          </a:p>
+          <a:p>
+            <a:pPr marL="400050" lvl="0" indent="-285750" algn="l" rtl="0">
+              <a:lnSpc>
+                <a:spcPct val="150000"/>
+              </a:lnSpc>
+              <a:spcBef>
+                <a:spcPts val="0"/>
+              </a:spcBef>
+              <a:spcAft>
+                <a:spcPts val="0"/>
+              </a:spcAft>
+              <a:buSzPts val="1800"/>
+              <a:buFont typeface="Arial" panose="02080604020202020204" pitchFamily="34" charset="0"/>
+              <a:buChar char="•"/>
+            </a:pPr>
+            <a:r>
+              <a:rPr lang="" altLang="en-US"/>
+              <a:t>Produced messages are considered comitted when written to all in-sync replicas (not-flushed).</a:t>
+            </a:r>
+            <a:endParaRPr lang="" altLang="en-US"/>
+          </a:p>
+          <a:p>
+            <a:pPr marL="400050" lvl="0" indent="-285750" algn="l" rtl="0">
+              <a:lnSpc>
+                <a:spcPct val="150000"/>
+              </a:lnSpc>
+              <a:spcBef>
+                <a:spcPts val="0"/>
+              </a:spcBef>
+              <a:spcAft>
+                <a:spcPts val="0"/>
+              </a:spcAft>
+              <a:buSzPts val="1800"/>
+              <a:buFont typeface="Arial" panose="02080604020202020204" pitchFamily="34" charset="0"/>
+              <a:buChar char="•"/>
+            </a:pPr>
+            <a:r>
+              <a:rPr lang="" altLang="en-US"/>
+              <a:t>Messages comitted will not be lost as long as one replixa is alive.</a:t>
+            </a:r>
+            <a:endParaRPr lang="" altLang="en-US"/>
+          </a:p>
+          <a:p>
+            <a:pPr marL="400050" lvl="0" indent="-285750" algn="l" rtl="0">
+              <a:lnSpc>
+                <a:spcPct val="150000"/>
+              </a:lnSpc>
+              <a:spcBef>
+                <a:spcPts val="0"/>
+              </a:spcBef>
+              <a:spcAft>
+                <a:spcPts val="0"/>
+              </a:spcAft>
+              <a:buSzPts val="1800"/>
+              <a:buFont typeface="Arial" panose="02080604020202020204" pitchFamily="34" charset="0"/>
+              <a:buChar char="•"/>
+            </a:pPr>
+            <a:r>
+              <a:rPr lang="" altLang="en-US"/>
+              <a:t>Consumers can read comitted messages only.</a:t>
+            </a:r>
+            <a:endParaRPr lang="" altLang="en-US"/>
+          </a:p>
+          <a:p>
+            <a:pPr marL="400050" lvl="0" indent="-285750" algn="l" rtl="0">
+              <a:lnSpc>
+                <a:spcPct val="150000"/>
+              </a:lnSpc>
+              <a:spcBef>
+                <a:spcPts val="0"/>
+              </a:spcBef>
+              <a:spcAft>
+                <a:spcPts val="0"/>
+              </a:spcAft>
+              <a:buSzPts val="1800"/>
+              <a:buFont typeface="Arial" panose="02080604020202020204" pitchFamily="34" charset="0"/>
+              <a:buChar char="•"/>
+            </a:pPr>
             <a:endParaRPr lang="en-US"/>
           </a:p>
           <a:p>
@@ -20166,83 +21162,116 @@
   <p:cSld>
     <p:spTree>
       <p:nvGrpSpPr>
-        <p:cNvPr id="215" name="Shape 215"/>
+        <p:cNvPr id="1" name=""/>
         <p:cNvGrpSpPr/>
         <p:nvPr/>
       </p:nvGrpSpPr>
-      <p:grpSpPr>
-        <a:xfrm>
-          <a:off x="0" y="0"/>
-          <a:ext cx="0" cy="0"/>
-          <a:chOff x="0" y="0"/>
-          <a:chExt cx="0" cy="0"/>
-        </a:xfrm>
-      </p:grpSpPr>
+      <p:grpSpPr/>
       <p:sp>
         <p:nvSpPr>
-          <p:cNvPr id="216" name="Google Shape;216;p16"/>
-          <p:cNvSpPr txBox="1"/>
+          <p:cNvPr id="2" name="Title 1"/>
+          <p:cNvSpPr/>
           <p:nvPr>
-            <p:ph type="ctrTitle"/>
+            <p:ph type="title"/>
           </p:nvPr>
         </p:nvSpPr>
-        <p:spPr>
-          <a:xfrm>
-            <a:off x="496411" y="1970119"/>
-            <a:ext cx="8222100" cy="933600"/>
-          </a:xfrm>
-          <a:prstGeom prst="rect">
-            <a:avLst/>
-          </a:prstGeom>
-          <a:noFill/>
-          <a:ln>
-            <a:noFill/>
-          </a:ln>
-        </p:spPr>
+        <p:spPr/>
         <p:txBody>
-          <a:bodyPr spcFirstLastPara="1" wrap="square" lIns="91425" tIns="91425" rIns="91425" bIns="91425" anchor="b" anchorCtr="0">
-            <a:noAutofit/>
-          </a:bodyPr>
-          <a:lstStyle/>
+          <a:bodyPr/>
           <a:p>
-            <a:pPr marL="0" marR="0" lvl="0" indent="0" algn="l" rtl="0">
-              <a:lnSpc>
-                <a:spcPct val="100000"/>
-              </a:lnSpc>
-              <a:spcBef>
-                <a:spcPts val="0"/>
-              </a:spcBef>
-              <a:spcAft>
-                <a:spcPts val="0"/>
-              </a:spcAft>
-              <a:buClr>
-                <a:schemeClr val="lt1"/>
-              </a:buClr>
-              <a:buSzPts val="1200"/>
-              <a:buFont typeface="Roboto"/>
-              <a:buNone/>
+            <a:r>
+              <a:rPr lang="" altLang="en-US"/>
+              <a:t>Replication</a:t>
+            </a:r>
+            <a:endParaRPr lang="" altLang="en-US"/>
+          </a:p>
+        </p:txBody>
+      </p:sp>
+      <p:sp>
+        <p:nvSpPr>
+          <p:cNvPr id="3" name="Text Placeholder 2"/>
+          <p:cNvSpPr/>
+          <p:nvPr>
+            <p:ph type="body" idx="1"/>
+          </p:nvPr>
+        </p:nvSpPr>
+        <p:spPr/>
+        <p:txBody>
+          <a:bodyPr/>
+          <a:p>
+            <a:pPr marL="514350" indent="-285750">
+              <a:buFont typeface="Arial" panose="02080604020202020204" pitchFamily="34" charset="0"/>
+              <a:buChar char="•"/>
             </a:pPr>
             <a:r>
-              <a:rPr lang="en-GB" sz="4800" b="0" i="0" u="none" strike="noStrike" cap="none">
-                <a:solidFill>
-                  <a:schemeClr val="lt1"/>
-                </a:solidFill>
-                <a:latin typeface="Roboto"/>
-                <a:ea typeface="Roboto"/>
-                <a:cs typeface="Roboto"/>
-                <a:sym typeface="Roboto"/>
-              </a:rPr>
-              <a:t>Thank You !!!</a:t>
+              <a:rPr lang="" altLang="en-US"/>
+              <a:t>Each topic is broken down into partitions</a:t>
             </a:r>
-            <a:endParaRPr lang="en-GB" sz="4800" b="0" i="0" u="none" strike="noStrike" cap="none">
-              <a:solidFill>
-                <a:schemeClr val="lt1"/>
-              </a:solidFill>
-              <a:latin typeface="Roboto"/>
-              <a:ea typeface="Roboto"/>
-              <a:cs typeface="Roboto"/>
-              <a:sym typeface="Roboto"/>
-            </a:endParaRPr>
+            <a:endParaRPr lang="" altLang="en-US"/>
+          </a:p>
+          <a:p>
+            <a:pPr marL="514350" indent="-285750">
+              <a:buFont typeface="Arial" panose="02080604020202020204" pitchFamily="34" charset="0"/>
+              <a:buChar char="•"/>
+            </a:pPr>
+            <a:r>
+              <a:rPr lang="" altLang="en-US"/>
+              <a:t>Each partition can have multiple replica.</a:t>
+            </a:r>
+            <a:endParaRPr lang="" altLang="en-US"/>
+          </a:p>
+          <a:p>
+            <a:pPr marL="514350" indent="-285750">
+              <a:buFont typeface="Arial" panose="02080604020202020204" pitchFamily="34" charset="0"/>
+              <a:buChar char="•"/>
+            </a:pPr>
+            <a:r>
+              <a:rPr lang="" altLang="en-US"/>
+              <a:t>One of the replicas will be leader</a:t>
+            </a:r>
+            <a:endParaRPr lang="" altLang="en-US"/>
+          </a:p>
+          <a:p>
+            <a:pPr marL="514350" indent="-285750">
+              <a:buFont typeface="Arial" panose="02080604020202020204" pitchFamily="34" charset="0"/>
+              <a:buChar char="•"/>
+            </a:pPr>
+            <a:r>
+              <a:rPr lang="" altLang="en-US"/>
+              <a:t>If leader becomes unavailable, one of the in-sync replicas should be new leader.</a:t>
+            </a:r>
+            <a:endParaRPr lang="" altLang="en-US"/>
+          </a:p>
+          <a:p>
+            <a:pPr marL="514350" indent="-285750">
+              <a:buFont typeface="Arial" panose="02080604020202020204" pitchFamily="34" charset="0"/>
+              <a:buChar char="•"/>
+            </a:pPr>
+            <a:r>
+              <a:rPr lang="" altLang="en-US"/>
+              <a:t>A replica is considered in-sync if its leader of partition or follower shows the following properties </a:t>
+            </a:r>
+            <a:endParaRPr lang="" altLang="en-US"/>
+          </a:p>
+          <a:p>
+            <a:pPr marL="228600" indent="0">
+              <a:buFont typeface="Arial" panose="02080604020202020204" pitchFamily="34" charset="0"/>
+            </a:pPr>
+            <a:r>
+              <a:rPr lang="" altLang="en-US"/>
+              <a:t>    - follower has active session with zookeeper</a:t>
+            </a:r>
+            <a:endParaRPr lang="" altLang="en-US"/>
+          </a:p>
+          <a:p>
+            <a:pPr marL="228600" indent="0">
+              <a:buFont typeface="Arial" panose="02080604020202020204" pitchFamily="34" charset="0"/>
+            </a:pPr>
+            <a:r>
+              <a:rPr lang="" altLang="en-US"/>
+              <a:t>    - fetched mesg from leader</a:t>
+            </a:r>
+            <a:endParaRPr lang="" altLang="en-US"/>
           </a:p>
         </p:txBody>
       </p:sp>
@@ -20259,447 +21288,484 @@
   <p:cSld>
     <p:spTree>
       <p:nvGrpSpPr>
-        <p:cNvPr id="220" name="Shape 220"/>
+        <p:cNvPr id="1" name=""/>
         <p:cNvGrpSpPr/>
         <p:nvPr/>
       </p:nvGrpSpPr>
-      <p:grpSpPr>
-        <a:xfrm>
-          <a:off x="0" y="0"/>
-          <a:ext cx="0" cy="0"/>
-          <a:chOff x="0" y="0"/>
-          <a:chExt cx="0" cy="0"/>
-        </a:xfrm>
-      </p:grpSpPr>
+      <p:grpSpPr/>
       <p:sp>
         <p:nvSpPr>
-          <p:cNvPr id="221" name="Google Shape;221;p17"/>
-          <p:cNvSpPr txBox="1"/>
+          <p:cNvPr id="2" name="Title 1"/>
+          <p:cNvSpPr/>
           <p:nvPr>
-            <p:ph type="body" idx="1"/>
+            <p:ph type="title"/>
           </p:nvPr>
         </p:nvSpPr>
-        <p:spPr>
-          <a:xfrm>
-            <a:off x="57150" y="4696825"/>
-            <a:ext cx="8381999" cy="446700"/>
-          </a:xfrm>
-          <a:prstGeom prst="rect">
-            <a:avLst/>
-          </a:prstGeom>
-          <a:noFill/>
-          <a:ln>
-            <a:noFill/>
-          </a:ln>
-        </p:spPr>
+        <p:spPr/>
         <p:txBody>
-          <a:bodyPr spcFirstLastPara="1" wrap="square" lIns="91425" tIns="91425" rIns="91425" bIns="91425" anchor="ctr" anchorCtr="0">
-            <a:noAutofit/>
-          </a:bodyPr>
-          <a:lstStyle/>
+          <a:bodyPr/>
           <a:p>
-            <a:pPr marL="0" marR="0" lvl="0" indent="0" algn="l" rtl="0">
-              <a:lnSpc>
-                <a:spcPct val="100000"/>
-              </a:lnSpc>
-              <a:spcBef>
-                <a:spcPts val="0"/>
-              </a:spcBef>
-              <a:spcAft>
-                <a:spcPts val="0"/>
-              </a:spcAft>
-              <a:buClr>
-                <a:schemeClr val="lt1"/>
-              </a:buClr>
-              <a:buSzPts val="300"/>
-              <a:buFont typeface="Roboto"/>
-              <a:buNone/>
-            </a:pPr>
             <a:r>
-              <a:rPr lang="en-GB" sz="1200" b="0" i="0" u="none" strike="noStrike" cap="none">
-                <a:solidFill>
-                  <a:schemeClr val="lt1"/>
-                </a:solidFill>
-                <a:latin typeface="Roboto"/>
-                <a:ea typeface="Roboto"/>
-                <a:cs typeface="Roboto"/>
-                <a:sym typeface="Roboto"/>
-              </a:rPr>
-              <a:t>Visit : </a:t>
+              <a:rPr lang="" altLang="en-US"/>
+              <a:t>Broker Configuration</a:t>
             </a:r>
-            <a:r>
-              <a:rPr lang="en-GB" sz="1200" b="0" i="0" u="sng" strike="noStrike" cap="none">
-                <a:solidFill>
-                  <a:schemeClr val="hlink"/>
-                </a:solidFill>
-                <a:latin typeface="Roboto"/>
-                <a:ea typeface="Roboto"/>
-                <a:cs typeface="Roboto"/>
-                <a:sym typeface="Roboto"/>
-                <a:hlinkClick r:id="rId1"/>
-              </a:rPr>
-              <a:t>www.zekeLabs.com</a:t>
-            </a:r>
-            <a:r>
-              <a:rPr lang="en-GB" sz="1200" b="0" i="0" u="none" strike="noStrike" cap="none">
-                <a:solidFill>
-                  <a:schemeClr val="lt1"/>
-                </a:solidFill>
-                <a:latin typeface="Roboto"/>
-                <a:ea typeface="Roboto"/>
-                <a:cs typeface="Roboto"/>
-                <a:sym typeface="Roboto"/>
-              </a:rPr>
-              <a:t> for more details</a:t>
-            </a:r>
-            <a:endParaRPr lang="en-GB" sz="1200" b="0" i="0" u="none" strike="noStrike" cap="none">
-              <a:solidFill>
-                <a:schemeClr val="lt1"/>
-              </a:solidFill>
-              <a:latin typeface="Roboto"/>
-              <a:ea typeface="Roboto"/>
-              <a:cs typeface="Roboto"/>
-              <a:sym typeface="Roboto"/>
-            </a:endParaRPr>
+            <a:endParaRPr lang="" altLang="en-US"/>
           </a:p>
         </p:txBody>
       </p:sp>
       <p:sp>
         <p:nvSpPr>
-          <p:cNvPr id="222" name="Google Shape;222;p17"/>
-          <p:cNvSpPr txBox="1"/>
-          <p:nvPr/>
+          <p:cNvPr id="3" name="Text Placeholder 2"/>
+          <p:cNvSpPr/>
+          <p:nvPr>
+            <p:ph type="body" idx="1"/>
+          </p:nvPr>
         </p:nvSpPr>
-        <p:spPr>
-          <a:xfrm>
-            <a:off x="228600" y="300425"/>
-            <a:ext cx="8763300" cy="4320300"/>
-          </a:xfrm>
-          <a:prstGeom prst="rect">
-            <a:avLst/>
-          </a:prstGeom>
-          <a:noFill/>
-          <a:ln>
-            <a:noFill/>
-          </a:ln>
-        </p:spPr>
+        <p:spPr/>
         <p:txBody>
-          <a:bodyPr spcFirstLastPara="1" wrap="square" lIns="91425" tIns="91425" rIns="91425" bIns="91425" anchor="t" anchorCtr="0">
-            <a:noAutofit/>
-          </a:bodyPr>
-          <a:lstStyle/>
+          <a:bodyPr/>
           <a:p>
-            <a:pPr marL="0" marR="0" lvl="0" indent="0" algn="l" rtl="0">
-              <a:lnSpc>
-                <a:spcPct val="100000"/>
-              </a:lnSpc>
-              <a:spcBef>
-                <a:spcPts val="0"/>
-              </a:spcBef>
-              <a:spcAft>
-                <a:spcPts val="0"/>
-              </a:spcAft>
-              <a:buClr>
-                <a:srgbClr val="000000"/>
-              </a:buClr>
-              <a:buSzPts val="2400"/>
-              <a:buFont typeface="Arial"/>
-              <a:buNone/>
+            <a:pPr marL="514350" indent="-285750">
+              <a:buFont typeface="Arial" panose="02080604020202020204" pitchFamily="34" charset="0"/>
+              <a:buChar char="•"/>
             </a:pPr>
-            <a:endParaRPr sz="2400" b="1" i="0" u="none" strike="noStrike" cap="none">
-              <a:solidFill>
-                <a:schemeClr val="dk1"/>
-              </a:solidFill>
-              <a:latin typeface="Arial"/>
-              <a:ea typeface="Arial"/>
-              <a:cs typeface="Arial"/>
-              <a:sym typeface="Arial"/>
-            </a:endParaRPr>
+            <a:r>
+              <a:rPr lang="" altLang="en-US"/>
+              <a:t>Configuration can be broker level or topic level.</a:t>
+            </a:r>
+            <a:endParaRPr lang="" altLang="en-US"/>
           </a:p>
           <a:p>
-            <a:pPr marL="0" marR="0" lvl="0" indent="0" algn="ctr" rtl="0">
-              <a:lnSpc>
-                <a:spcPct val="100000"/>
-              </a:lnSpc>
-              <a:spcBef>
-                <a:spcPts val="0"/>
-              </a:spcBef>
-              <a:spcAft>
-                <a:spcPts val="0"/>
-              </a:spcAft>
-              <a:buClr>
-                <a:schemeClr val="dk1"/>
-              </a:buClr>
-              <a:buSzPts val="500"/>
-              <a:buFont typeface="Arial"/>
-              <a:buNone/>
+            <a:pPr marL="514350" indent="-285750">
+              <a:buFont typeface="Arial" panose="02080604020202020204" pitchFamily="34" charset="0"/>
+              <a:buChar char="•"/>
             </a:pPr>
             <a:r>
-              <a:rPr lang="en-GB" sz="2000" b="1" i="0" u="none" strike="noStrike" cap="none">
-                <a:solidFill>
-                  <a:schemeClr val="dk1"/>
-                </a:solidFill>
-                <a:latin typeface="Arial"/>
-                <a:ea typeface="Arial"/>
-                <a:cs typeface="Arial"/>
-                <a:sym typeface="Arial"/>
-              </a:rPr>
-              <a:t>THANK YOU</a:t>
+              <a:rPr lang="" altLang="en-US"/>
+              <a:t>Replication Factor - Topic-level, </a:t>
             </a:r>
-            <a:endParaRPr lang="en-GB" sz="2000" b="1" i="0" u="none" strike="noStrike" cap="none">
-              <a:solidFill>
-                <a:schemeClr val="dk1"/>
-              </a:solidFill>
-              <a:latin typeface="Arial"/>
-              <a:ea typeface="Arial"/>
-              <a:cs typeface="Arial"/>
-              <a:sym typeface="Arial"/>
-            </a:endParaRPr>
+            <a:r>
+              <a:rPr lang="" altLang="en-US" u="sng"/>
+              <a:t>replication.factor</a:t>
+            </a:r>
+            <a:r>
+              <a:rPr lang="" altLang="en-US"/>
+              <a:t>. And, at broker-level, we have </a:t>
+            </a:r>
+            <a:r>
+              <a:rPr lang="" altLang="en-US" u="sng"/>
+              <a:t>default.replication.factor.</a:t>
+            </a:r>
+            <a:endParaRPr lang="" altLang="en-US" u="sng"/>
           </a:p>
           <a:p>
-            <a:pPr marL="0" marR="0" lvl="0" indent="0" algn="ctr" rtl="0">
-              <a:lnSpc>
-                <a:spcPct val="100000"/>
-              </a:lnSpc>
-              <a:spcBef>
-                <a:spcPts val="0"/>
-              </a:spcBef>
-              <a:spcAft>
-                <a:spcPts val="0"/>
-              </a:spcAft>
-              <a:buClr>
-                <a:srgbClr val="000000"/>
-              </a:buClr>
-              <a:buSzPts val="2000"/>
-              <a:buFont typeface="Arial"/>
-              <a:buNone/>
+            <a:pPr marL="514350" indent="-285750">
+              <a:buFont typeface="Arial" panose="02080604020202020204" pitchFamily="34" charset="0"/>
+              <a:buChar char="•"/>
             </a:pPr>
-            <a:endParaRPr sz="2000" b="1" i="0" u="none" strike="noStrike" cap="none">
-              <a:solidFill>
-                <a:schemeClr val="dk1"/>
-              </a:solidFill>
-              <a:latin typeface="Arial"/>
-              <a:ea typeface="Arial"/>
-              <a:cs typeface="Arial"/>
-              <a:sym typeface="Arial"/>
-            </a:endParaRPr>
+            <a:r>
+              <a:rPr lang="" altLang="en-US"/>
+              <a:t>Higher replication factor means high availability.</a:t>
+            </a:r>
+            <a:endParaRPr lang="" altLang="en-US"/>
           </a:p>
           <a:p>
-            <a:pPr marL="0" marR="0" lvl="0" indent="0" algn="l" rtl="0">
-              <a:lnSpc>
-                <a:spcPct val="100000"/>
-              </a:lnSpc>
-              <a:spcBef>
-                <a:spcPts val="0"/>
-              </a:spcBef>
-              <a:spcAft>
-                <a:spcPts val="0"/>
-              </a:spcAft>
-              <a:buClr>
-                <a:schemeClr val="dk1"/>
-              </a:buClr>
-              <a:buSzPts val="500"/>
-              <a:buFont typeface="Arial"/>
-              <a:buNone/>
+            <a:pPr marL="514350" indent="-285750">
+              <a:buFont typeface="Arial" panose="02080604020202020204" pitchFamily="34" charset="0"/>
+              <a:buChar char="•"/>
             </a:pPr>
             <a:r>
-              <a:rPr lang="en-GB" sz="2000" b="1" i="0" u="none" strike="noStrike" cap="none">
-                <a:solidFill>
-                  <a:schemeClr val="dk1"/>
-                </a:solidFill>
-                <a:latin typeface="Arial"/>
-                <a:ea typeface="Arial"/>
-                <a:cs typeface="Arial"/>
-                <a:sym typeface="Arial"/>
-              </a:rPr>
-              <a:t>Let us know how can we help your organization to Upskill the employees to stay updated in the ever-evolving IT Industry.</a:t>
+              <a:rPr lang="" altLang="en-US"/>
+              <a:t>By default, each replica goes to different broker. broker.rack</a:t>
             </a:r>
-            <a:endParaRPr lang="en-GB" sz="2000" b="1" i="0" u="none" strike="noStrike" cap="none">
-              <a:solidFill>
-                <a:schemeClr val="dk1"/>
-              </a:solidFill>
-              <a:latin typeface="Arial"/>
-              <a:ea typeface="Arial"/>
-              <a:cs typeface="Arial"/>
-              <a:sym typeface="Arial"/>
-            </a:endParaRPr>
+            <a:endParaRPr lang="" altLang="en-US"/>
           </a:p>
           <a:p>
-            <a:pPr marL="0" marR="0" lvl="0" indent="0" algn="l" rtl="0">
-              <a:lnSpc>
-                <a:spcPct val="100000"/>
-              </a:lnSpc>
-              <a:spcBef>
-                <a:spcPts val="0"/>
-              </a:spcBef>
-              <a:spcAft>
-                <a:spcPts val="0"/>
-              </a:spcAft>
-              <a:buClr>
-                <a:srgbClr val="000000"/>
-              </a:buClr>
-              <a:buSzPts val="2000"/>
-              <a:buFont typeface="Arial"/>
-              <a:buNone/>
+            <a:pPr marL="514350" indent="-285750">
+              <a:buFont typeface="Arial" panose="02080604020202020204" pitchFamily="34" charset="0"/>
+              <a:buChar char="•"/>
             </a:pPr>
-            <a:endParaRPr sz="2000" b="1" i="0" u="none" strike="noStrike" cap="none">
-              <a:solidFill>
-                <a:schemeClr val="dk1"/>
-              </a:solidFill>
-              <a:latin typeface="Arial"/>
-              <a:ea typeface="Arial"/>
-              <a:cs typeface="Arial"/>
-              <a:sym typeface="Arial"/>
-            </a:endParaRPr>
-          </a:p>
-          <a:p>
-            <a:pPr marL="0" marR="0" lvl="0" indent="0" algn="l" rtl="0">
-              <a:lnSpc>
-                <a:spcPct val="100000"/>
-              </a:lnSpc>
-              <a:spcBef>
-                <a:spcPts val="0"/>
-              </a:spcBef>
-              <a:spcAft>
-                <a:spcPts val="0"/>
-              </a:spcAft>
-              <a:buClr>
-                <a:srgbClr val="000000"/>
-              </a:buClr>
-              <a:buSzPts val="2000"/>
-              <a:buFont typeface="Arial"/>
-              <a:buNone/>
-            </a:pPr>
-            <a:endParaRPr sz="2000" b="1" i="0" u="none" strike="noStrike" cap="none">
-              <a:solidFill>
-                <a:schemeClr val="dk1"/>
-              </a:solidFill>
-              <a:latin typeface="Arial"/>
-              <a:ea typeface="Arial"/>
-              <a:cs typeface="Arial"/>
-              <a:sym typeface="Arial"/>
-            </a:endParaRPr>
-          </a:p>
-          <a:p>
-            <a:pPr marL="0" marR="0" lvl="0" indent="0" algn="l" rtl="0">
-              <a:lnSpc>
-                <a:spcPct val="100000"/>
-              </a:lnSpc>
-              <a:spcBef>
-                <a:spcPts val="0"/>
-              </a:spcBef>
-              <a:spcAft>
-                <a:spcPts val="0"/>
-              </a:spcAft>
-              <a:buClr>
-                <a:schemeClr val="dk1"/>
-              </a:buClr>
-              <a:buSzPts val="500"/>
-              <a:buFont typeface="Arial"/>
-              <a:buNone/>
-            </a:pPr>
-            <a:r>
-              <a:rPr lang="en-GB" sz="2000" b="1" i="0" u="none" strike="noStrike" cap="none">
-                <a:solidFill>
-                  <a:schemeClr val="dk1"/>
-                </a:solidFill>
-                <a:latin typeface="Arial"/>
-                <a:ea typeface="Arial"/>
-                <a:cs typeface="Arial"/>
-                <a:sym typeface="Arial"/>
-              </a:rPr>
-              <a:t>Get in touch:</a:t>
-            </a:r>
-            <a:endParaRPr lang="en-GB" sz="2000" b="1" i="0" u="none" strike="noStrike" cap="none">
-              <a:solidFill>
-                <a:schemeClr val="dk1"/>
-              </a:solidFill>
-              <a:latin typeface="Arial"/>
-              <a:ea typeface="Arial"/>
-              <a:cs typeface="Arial"/>
-              <a:sym typeface="Arial"/>
-            </a:endParaRPr>
-          </a:p>
-          <a:p>
-            <a:pPr marL="0" marR="0" lvl="0" indent="0" algn="l" rtl="0">
-              <a:lnSpc>
-                <a:spcPct val="100000"/>
-              </a:lnSpc>
-              <a:spcBef>
-                <a:spcPts val="0"/>
-              </a:spcBef>
-              <a:spcAft>
-                <a:spcPts val="0"/>
-              </a:spcAft>
-              <a:buClr>
-                <a:schemeClr val="dk1"/>
-              </a:buClr>
-              <a:buSzPts val="500"/>
-              <a:buFont typeface="Arial"/>
-              <a:buNone/>
-            </a:pPr>
-            <a:br>
-              <a:rPr lang="en-GB" sz="2000" b="1" i="0" u="none" strike="noStrike" cap="none">
-                <a:solidFill>
-                  <a:schemeClr val="dk1"/>
-                </a:solidFill>
-                <a:latin typeface="Arial"/>
-                <a:ea typeface="Arial"/>
-                <a:cs typeface="Arial"/>
-                <a:sym typeface="Arial"/>
-              </a:rPr>
-            </a:br>
-            <a:r>
-              <a:rPr lang="en-GB" sz="2000" b="1" i="0" u="none" strike="noStrike" cap="none">
-                <a:solidFill>
-                  <a:schemeClr val="dk1"/>
-                </a:solidFill>
-                <a:latin typeface="Arial"/>
-                <a:ea typeface="Arial"/>
-                <a:cs typeface="Arial"/>
-                <a:sym typeface="Arial"/>
-              </a:rPr>
-              <a:t>	www.zekeLabs.com | +91-8095465880 | info@zekeLabs.com</a:t>
-            </a:r>
-            <a:endParaRPr lang="en-GB" sz="2000" b="1" i="0" u="none" strike="noStrike" cap="none">
-              <a:solidFill>
-                <a:schemeClr val="dk1"/>
-              </a:solidFill>
-              <a:latin typeface="Arial"/>
-              <a:ea typeface="Arial"/>
-              <a:cs typeface="Arial"/>
-              <a:sym typeface="Arial"/>
-            </a:endParaRPr>
+            <a:endParaRPr lang="" altLang="en-US"/>
           </a:p>
         </p:txBody>
       </p:sp>
-      <p:pic>
-        <p:nvPicPr>
-          <p:cNvPr id="223" name="Google Shape;223;p17"/>
-          <p:cNvPicPr preferRelativeResize="0"/>
-          <p:nvPr/>
-        </p:nvPicPr>
-        <p:blipFill rotWithShape="1">
-          <a:blip r:embed="rId2"/>
-          <a:srcRect/>
-          <a:stretch>
-            <a:fillRect/>
-          </a:stretch>
-        </p:blipFill>
-        <p:spPr>
-          <a:xfrm>
-            <a:off x="135675" y="4043475"/>
-            <a:ext cx="8856227" cy="577150"/>
-          </a:xfrm>
-          <a:prstGeom prst="rect">
-            <a:avLst/>
-          </a:prstGeom>
-          <a:noFill/>
-          <a:ln>
-            <a:noFill/>
-          </a:ln>
-        </p:spPr>
-      </p:pic>
+    </p:spTree>
+  </p:cSld>
+  <p:clrMapOvr>
+    <a:masterClrMapping/>
+  </p:clrMapOvr>
+</p:sld>
+</file>
+
+<file path=ppt/slides/slide6.xml><?xml version="1.0" encoding="utf-8"?>
+<p:sld xmlns:a="http://schemas.openxmlformats.org/drawingml/2006/main" xmlns:r="http://schemas.openxmlformats.org/officeDocument/2006/relationships" xmlns:p="http://schemas.openxmlformats.org/presentationml/2006/main">
+  <p:cSld>
+    <p:spTree>
+      <p:nvGrpSpPr>
+        <p:cNvPr id="1" name=""/>
+        <p:cNvGrpSpPr/>
+        <p:nvPr/>
+      </p:nvGrpSpPr>
+      <p:grpSpPr/>
+      <p:sp>
+        <p:nvSpPr>
+          <p:cNvPr id="2" name="Title 1"/>
+          <p:cNvSpPr/>
+          <p:nvPr>
+            <p:ph type="title"/>
+          </p:nvPr>
+        </p:nvSpPr>
+        <p:spPr/>
+        <p:txBody>
+          <a:bodyPr/>
+          <a:p>
+            <a:r>
+              <a:rPr lang="" altLang="en-US"/>
+              <a:t>Unclean Leader Election</a:t>
+            </a:r>
+            <a:endParaRPr lang="" altLang="en-US"/>
+          </a:p>
+        </p:txBody>
+      </p:sp>
+      <p:sp>
+        <p:nvSpPr>
+          <p:cNvPr id="3" name="Text Placeholder 2"/>
+          <p:cNvSpPr/>
+          <p:nvPr>
+            <p:ph type="body" idx="1"/>
+          </p:nvPr>
+        </p:nvSpPr>
+        <p:spPr/>
+        <p:txBody>
+          <a:bodyPr/>
+          <a:p>
+            <a:pPr marL="514350" indent="-285750">
+              <a:buFont typeface="Arial" panose="02080604020202020204" pitchFamily="34" charset="0"/>
+              <a:buChar char="•"/>
+            </a:pPr>
+            <a:r>
+              <a:rPr lang="" altLang="en-US"/>
+              <a:t>If leader of partition is no more available, one of the in-sync followers is chosen to be new leader.</a:t>
+            </a:r>
+            <a:endParaRPr lang="" altLang="en-US"/>
+          </a:p>
+          <a:p>
+            <a:pPr marL="514350" indent="-285750">
+              <a:buFont typeface="Arial" panose="02080604020202020204" pitchFamily="34" charset="0"/>
+              <a:buChar char="•"/>
+            </a:pPr>
+            <a:r>
+              <a:rPr lang="" altLang="en-US"/>
+              <a:t>What happens when in-sync follower don't exist.</a:t>
+            </a:r>
+            <a:endParaRPr lang="en-US" altLang="en-US"/>
+          </a:p>
+          <a:p>
+            <a:pPr marL="514350" indent="-285750">
+              <a:buFont typeface="Arial" panose="02080604020202020204" pitchFamily="34" charset="0"/>
+              <a:buChar char="•"/>
+            </a:pPr>
+            <a:r>
+              <a:rPr lang="" altLang="en-US"/>
+              <a:t>If we don't allow out of sync replica to be come leader, partition may be down for many hours. </a:t>
+            </a:r>
+            <a:endParaRPr lang="" altLang="en-US"/>
+          </a:p>
+          <a:p>
+            <a:pPr marL="514350" indent="-285750">
+              <a:buFont typeface="Arial" panose="02080604020202020204" pitchFamily="34" charset="0"/>
+              <a:buChar char="•"/>
+            </a:pPr>
+            <a:r>
+              <a:rPr lang="" altLang="en-US"/>
+              <a:t>If we allow, we might loose data.</a:t>
+            </a:r>
+            <a:endParaRPr lang="" altLang="en-US"/>
+          </a:p>
+          <a:p>
+            <a:pPr marL="514350" indent="-285750">
+              <a:buFont typeface="Arial" panose="02080604020202020204" pitchFamily="34" charset="0"/>
+              <a:buChar char="•"/>
+            </a:pPr>
+            <a:r>
+              <a:rPr lang="" altLang="en-US"/>
+              <a:t>By setting unclean.election.enable to true means, we allow out of sync replicas to become leaders.</a:t>
+            </a:r>
+            <a:endParaRPr lang="en-US" altLang="en-US"/>
+          </a:p>
+          <a:p>
+            <a:pPr marL="514350" indent="-285750">
+              <a:buFont typeface="Arial" panose="02080604020202020204" pitchFamily="34" charset="0"/>
+              <a:buChar char="•"/>
+            </a:pPr>
+            <a:endParaRPr lang="en-US" altLang="en-US"/>
+          </a:p>
+        </p:txBody>
+      </p:sp>
+    </p:spTree>
+  </p:cSld>
+  <p:clrMapOvr>
+    <a:masterClrMapping/>
+  </p:clrMapOvr>
+</p:sld>
+</file>
+
+<file path=ppt/slides/slide7.xml><?xml version="1.0" encoding="utf-8"?>
+<p:sld xmlns:a="http://schemas.openxmlformats.org/drawingml/2006/main" xmlns:r="http://schemas.openxmlformats.org/officeDocument/2006/relationships" xmlns:p="http://schemas.openxmlformats.org/presentationml/2006/main">
+  <p:cSld>
+    <p:spTree>
+      <p:nvGrpSpPr>
+        <p:cNvPr id="1" name=""/>
+        <p:cNvGrpSpPr/>
+        <p:nvPr/>
+      </p:nvGrpSpPr>
+      <p:grpSpPr/>
+      <p:sp>
+        <p:nvSpPr>
+          <p:cNvPr id="2" name="Title 1"/>
+          <p:cNvSpPr/>
+          <p:nvPr>
+            <p:ph type="title"/>
+          </p:nvPr>
+        </p:nvSpPr>
+        <p:spPr/>
+        <p:txBody>
+          <a:bodyPr/>
+          <a:p>
+            <a:r>
+              <a:rPr lang="" altLang="en-US"/>
+              <a:t>Minimum In-Sync Replicas</a:t>
+            </a:r>
+            <a:endParaRPr lang="" altLang="en-US"/>
+          </a:p>
+        </p:txBody>
+      </p:sp>
+      <p:sp>
+        <p:nvSpPr>
+          <p:cNvPr id="3" name="Text Placeholder 2"/>
+          <p:cNvSpPr/>
+          <p:nvPr>
+            <p:ph type="body" idx="1"/>
+          </p:nvPr>
+        </p:nvSpPr>
+        <p:spPr/>
+        <p:txBody>
+          <a:bodyPr/>
+          <a:p>
+            <a:pPr marL="514350" indent="-285750">
+              <a:buFont typeface="Arial" panose="02080604020202020204" pitchFamily="34" charset="0"/>
+              <a:buChar char="•"/>
+            </a:pPr>
+            <a:r>
+              <a:rPr lang="en-US"/>
+              <a:t>If a topic has three replicas and you set min.insync.replicas to 2 , then you can only write to a partition in the topic if at least two out of the three replicas are in-sync.</a:t>
+            </a:r>
+            <a:endParaRPr lang="en-US"/>
+          </a:p>
+          <a:p>
+            <a:pPr marL="514350" indent="-285750">
+              <a:buFont typeface="Arial" panose="02080604020202020204" pitchFamily="34" charset="0"/>
+              <a:buChar char="•"/>
+            </a:pPr>
+            <a:r>
+              <a:rPr lang="" altLang="en-US"/>
+              <a:t>I</a:t>
+            </a:r>
+            <a:r>
+              <a:rPr lang="en-US"/>
+              <a:t>f two out of three replicas are not available, the brokers will no longer accept produce requests. Instead, producers that attempt to send data will receive NotEnoughReplicasException .</a:t>
+            </a:r>
+            <a:endParaRPr lang="en-US"/>
+          </a:p>
+        </p:txBody>
+      </p:sp>
+    </p:spTree>
+  </p:cSld>
+  <p:clrMapOvr>
+    <a:masterClrMapping/>
+  </p:clrMapOvr>
+</p:sld>
+</file>
+
+<file path=ppt/slides/slide8.xml><?xml version="1.0" encoding="utf-8"?>
+<p:sld xmlns:a="http://schemas.openxmlformats.org/drawingml/2006/main" xmlns:r="http://schemas.openxmlformats.org/officeDocument/2006/relationships" xmlns:p="http://schemas.openxmlformats.org/presentationml/2006/main">
+  <p:cSld>
+    <p:spTree>
+      <p:nvGrpSpPr>
+        <p:cNvPr id="1" name=""/>
+        <p:cNvGrpSpPr/>
+        <p:nvPr/>
+      </p:nvGrpSpPr>
+      <p:grpSpPr/>
+      <p:sp>
+        <p:nvSpPr>
+          <p:cNvPr id="2" name="Title 1"/>
+          <p:cNvSpPr/>
+          <p:nvPr>
+            <p:ph type="title"/>
+          </p:nvPr>
+        </p:nvSpPr>
+        <p:spPr/>
+        <p:txBody>
+          <a:bodyPr/>
+          <a:p>
+            <a:r>
+              <a:rPr lang="" altLang="en-US"/>
+              <a:t>Making Producers Reliable</a:t>
+            </a:r>
+            <a:endParaRPr lang="" altLang="en-US"/>
+          </a:p>
+        </p:txBody>
+      </p:sp>
+      <p:sp>
+        <p:nvSpPr>
+          <p:cNvPr id="3" name="Text Placeholder 2"/>
+          <p:cNvSpPr/>
+          <p:nvPr>
+            <p:ph type="body" idx="1"/>
+          </p:nvPr>
+        </p:nvSpPr>
+        <p:spPr/>
+        <p:txBody>
+          <a:bodyPr/>
+          <a:p>
+            <a:pPr marL="514350" indent="-285750">
+              <a:buFont typeface="Arial" panose="02080604020202020204" pitchFamily="34" charset="0"/>
+              <a:buChar char="•"/>
+            </a:pPr>
+            <a:r>
+              <a:rPr lang="" altLang="en-US"/>
+              <a:t>acks = 0/1/all</a:t>
+            </a:r>
+            <a:endParaRPr lang="en-US"/>
+          </a:p>
+          <a:p>
+            <a:pPr marL="514350" indent="-285750">
+              <a:buFont typeface="Arial" panose="02080604020202020204" pitchFamily="34" charset="0"/>
+              <a:buChar char="•"/>
+            </a:pPr>
+            <a:r>
+              <a:rPr lang="" altLang="en-US"/>
+              <a:t>acks in conjunction with min.insync.replica controls how many replicas gets the message before it is acknowledge.</a:t>
+            </a:r>
+            <a:endParaRPr lang="" altLang="en-US"/>
+          </a:p>
+          <a:p>
+            <a:pPr marL="514350" indent="-285750">
+              <a:buFont typeface="Arial" panose="02080604020202020204" pitchFamily="34" charset="0"/>
+              <a:buChar char="•"/>
+            </a:pPr>
+            <a:r>
+              <a:rPr lang="" altLang="en-US"/>
+              <a:t>Check from the errors if its retriable &amp; send message again</a:t>
+            </a:r>
+            <a:endParaRPr lang="" altLang="en-US"/>
+          </a:p>
+        </p:txBody>
+      </p:sp>
+    </p:spTree>
+  </p:cSld>
+  <p:clrMapOvr>
+    <a:masterClrMapping/>
+  </p:clrMapOvr>
+</p:sld>
+</file>
+
+<file path=ppt/slides/slide9.xml><?xml version="1.0" encoding="utf-8"?>
+<p:sld xmlns:a="http://schemas.openxmlformats.org/drawingml/2006/main" xmlns:r="http://schemas.openxmlformats.org/officeDocument/2006/relationships" xmlns:p="http://schemas.openxmlformats.org/presentationml/2006/main">
+  <p:cSld>
+    <p:spTree>
+      <p:nvGrpSpPr>
+        <p:cNvPr id="1" name=""/>
+        <p:cNvGrpSpPr/>
+        <p:nvPr/>
+      </p:nvGrpSpPr>
+      <p:grpSpPr/>
+      <p:sp>
+        <p:nvSpPr>
+          <p:cNvPr id="2" name="Title 1"/>
+          <p:cNvSpPr/>
+          <p:nvPr>
+            <p:ph type="title"/>
+          </p:nvPr>
+        </p:nvSpPr>
+        <p:spPr/>
+        <p:txBody>
+          <a:bodyPr/>
+          <a:p>
+            <a:r>
+              <a:rPr lang="en-US" altLang="en-US"/>
+              <a:t>Making </a:t>
+            </a:r>
+            <a:r>
+              <a:rPr lang="" altLang="en-US"/>
+              <a:t>Consumers</a:t>
+            </a:r>
+            <a:r>
+              <a:rPr lang="en-US" altLang="en-US"/>
+              <a:t> Reliable</a:t>
+            </a:r>
+            <a:endParaRPr lang="en-US" altLang="en-US"/>
+          </a:p>
+        </p:txBody>
+      </p:sp>
+      <p:sp>
+        <p:nvSpPr>
+          <p:cNvPr id="3" name="Text Placeholder 2"/>
+          <p:cNvSpPr/>
+          <p:nvPr>
+            <p:ph type="body" idx="1"/>
+          </p:nvPr>
+        </p:nvSpPr>
+        <p:spPr/>
+        <p:txBody>
+          <a:bodyPr/>
+          <a:p>
+            <a:pPr marL="514350" indent="-285750">
+              <a:buFont typeface="Arial" panose="02080604020202020204" pitchFamily="34" charset="0"/>
+              <a:buChar char="•"/>
+            </a:pPr>
+            <a:r>
+              <a:rPr lang="en-US" altLang="en-US"/>
+              <a:t>For each partition it is consuming, the consumer stores its current location, so they or another consumer will know where to continue after a restart.</a:t>
+            </a:r>
+            <a:endParaRPr lang="en-US" altLang="en-US"/>
+          </a:p>
+          <a:p>
+            <a:pPr marL="514350" indent="-285750">
+              <a:buFont typeface="Arial" panose="02080604020202020204" pitchFamily="34" charset="0"/>
+              <a:buChar char="•"/>
+            </a:pPr>
+            <a:r>
+              <a:rPr lang="en-US" altLang="en-US"/>
+              <a:t>The main way consumers can lose messages is when committing offsets for events they’ve read but didn’t completely process yet.</a:t>
+            </a:r>
+            <a:endParaRPr lang="en-US" altLang="en-US"/>
+          </a:p>
+          <a:p>
+            <a:pPr marL="514350" indent="-285750">
+              <a:buFont typeface="Arial" panose="02080604020202020204" pitchFamily="34" charset="0"/>
+              <a:buChar char="•"/>
+            </a:pPr>
+            <a:r>
+              <a:rPr lang="" altLang="en-US"/>
+              <a:t>Committed Message - message written to all in-sync replicas </a:t>
+            </a:r>
+            <a:endParaRPr lang="" altLang="en-US"/>
+          </a:p>
+          <a:p>
+            <a:pPr marL="514350" indent="-285750">
+              <a:buFont typeface="Arial" panose="02080604020202020204" pitchFamily="34" charset="0"/>
+              <a:buChar char="•"/>
+            </a:pPr>
+            <a:r>
+              <a:rPr lang="" altLang="en-US"/>
+              <a:t>Committed Offset - consumer sent to kafka that it recevied &amp; processed all the mesgs of a partition upto an offset</a:t>
+            </a:r>
+            <a:endParaRPr lang="" altLang="en-US"/>
+          </a:p>
+        </p:txBody>
+      </p:sp>
     </p:spTree>
   </p:cSld>
   <p:clrMapOvr>
